--- a/lecture_slides/LLD_7.pptx
+++ b/lecture_slides/LLD_7.pptx
@@ -260,7 +260,7 @@
           <a:p>
             <a:fld id="{C805194A-C6F7-4845-905A-AA0858212940}" type="datetimeFigureOut">
               <a:rPr lang="ru-RU" smtClean="0"/>
-              <a:t>21.03.2024</a:t>
+              <a:t>23.03.2024</a:t>
             </a:fld>
             <a:endParaRPr lang="ru-RU"/>
           </a:p>
@@ -658,7 +658,7 @@
           <a:p>
             <a:fld id="{A55F7EAE-8D1F-4DFB-BF3D-67901E940A71}" type="datetime1">
               <a:rPr lang="ru-RU" smtClean="0"/>
-              <a:t>21.03.2024</a:t>
+              <a:t>23.03.2024</a:t>
             </a:fld>
             <a:endParaRPr lang="ru-RU"/>
           </a:p>
@@ -828,7 +828,7 @@
           <a:p>
             <a:fld id="{3A0B1FAF-5D06-4C6A-8912-CB01E5524513}" type="datetime1">
               <a:rPr lang="ru-RU" smtClean="0"/>
-              <a:t>21.03.2024</a:t>
+              <a:t>23.03.2024</a:t>
             </a:fld>
             <a:endParaRPr lang="ru-RU"/>
           </a:p>
@@ -1008,7 +1008,7 @@
           <a:p>
             <a:fld id="{A3D11551-F63D-4305-9242-2455F0D0680F}" type="datetime1">
               <a:rPr lang="ru-RU" smtClean="0"/>
-              <a:t>21.03.2024</a:t>
+              <a:t>23.03.2024</a:t>
             </a:fld>
             <a:endParaRPr lang="ru-RU"/>
           </a:p>
@@ -1178,7 +1178,7 @@
           <a:p>
             <a:fld id="{104678DD-CB71-40E3-BB0A-4D3A991A0D81}" type="datetime1">
               <a:rPr lang="ru-RU" smtClean="0"/>
-              <a:t>21.03.2024</a:t>
+              <a:t>23.03.2024</a:t>
             </a:fld>
             <a:endParaRPr lang="ru-RU"/>
           </a:p>
@@ -1422,7 +1422,7 @@
           <a:p>
             <a:fld id="{A13C56EB-640A-4B62-A69F-BCFB4467D275}" type="datetime1">
               <a:rPr lang="ru-RU" smtClean="0"/>
-              <a:t>21.03.2024</a:t>
+              <a:t>23.03.2024</a:t>
             </a:fld>
             <a:endParaRPr lang="ru-RU"/>
           </a:p>
@@ -1654,7 +1654,7 @@
           <a:p>
             <a:fld id="{20709B79-B273-40B5-992B-C94F11058C74}" type="datetime1">
               <a:rPr lang="ru-RU" smtClean="0"/>
-              <a:t>21.03.2024</a:t>
+              <a:t>23.03.2024</a:t>
             </a:fld>
             <a:endParaRPr lang="ru-RU"/>
           </a:p>
@@ -2021,7 +2021,7 @@
           <a:p>
             <a:fld id="{79017CC2-80E7-4879-9CE6-2C6E658A39C4}" type="datetime1">
               <a:rPr lang="ru-RU" smtClean="0"/>
-              <a:t>21.03.2024</a:t>
+              <a:t>23.03.2024</a:t>
             </a:fld>
             <a:endParaRPr lang="ru-RU"/>
           </a:p>
@@ -2139,7 +2139,7 @@
           <a:p>
             <a:fld id="{71F211D6-B2CC-43C9-B174-8720B6BD7186}" type="datetime1">
               <a:rPr lang="ru-RU" smtClean="0"/>
-              <a:t>21.03.2024</a:t>
+              <a:t>23.03.2024</a:t>
             </a:fld>
             <a:endParaRPr lang="ru-RU"/>
           </a:p>
@@ -2234,7 +2234,7 @@
           <a:p>
             <a:fld id="{E278B0DE-A3F8-4E7E-BCA5-00409DEB3409}" type="datetime1">
               <a:rPr lang="ru-RU" smtClean="0"/>
-              <a:t>21.03.2024</a:t>
+              <a:t>23.03.2024</a:t>
             </a:fld>
             <a:endParaRPr lang="ru-RU"/>
           </a:p>
@@ -2511,7 +2511,7 @@
           <a:p>
             <a:fld id="{FBF6861F-C6DE-4D77-AB90-F71103727935}" type="datetime1">
               <a:rPr lang="ru-RU" smtClean="0"/>
-              <a:t>21.03.2024</a:t>
+              <a:t>23.03.2024</a:t>
             </a:fld>
             <a:endParaRPr lang="ru-RU"/>
           </a:p>
@@ -2768,7 +2768,7 @@
           <a:p>
             <a:fld id="{B4A72A33-9FB2-420B-B13E-74C31A10874D}" type="datetime1">
               <a:rPr lang="ru-RU" smtClean="0"/>
-              <a:t>21.03.2024</a:t>
+              <a:t>23.03.2024</a:t>
             </a:fld>
             <a:endParaRPr lang="ru-RU"/>
           </a:p>
@@ -2981,7 +2981,7 @@
           <a:p>
             <a:fld id="{6CE33DF6-6089-4127-A863-CD9F205B744B}" type="datetime1">
               <a:rPr lang="ru-RU" smtClean="0"/>
-              <a:t>21.03.2024</a:t>
+              <a:t>23.03.2024</a:t>
             </a:fld>
             <a:endParaRPr lang="ru-RU"/>
           </a:p>
@@ -11093,7 +11093,7 @@
                 <a:latin typeface="Roboto" panose="02000000000000000000" pitchFamily="2" charset="0"/>
                 <a:ea typeface="Roboto" panose="02000000000000000000" pitchFamily="2" charset="0"/>
               </a:rPr>
-              <a:t>AND</a:t>
+              <a:t>OR</a:t>
             </a:r>
             <a:r>
               <a:rPr lang="ru-RU" sz="2400" dirty="0">
